--- a/ppt 16-9/0696.你当告诉耶稣.pptx
+++ b/ppt 16-9/0696.你当告诉耶稣.pptx
@@ -5,7 +5,7 @@
     <p:sldMasterId id="2147483648" r:id="rId1"/>
   </p:sldMasterIdLst>
   <p:sldIdLst>
-    <p:sldId id="2510" r:id="rId2"/>
+    <p:sldId id="2511" r:id="rId2"/>
   </p:sldIdLst>
   <p:sldSz cx="12192000" cy="6858000"/>
   <p:notesSz cx="6858000" cy="9144000"/>
@@ -129,7 +129,7 @@
           <p:cNvPr id="2" name="标题 1">
             <a:extLst>
               <a:ext uri="{FF2B5EF4-FFF2-40B4-BE49-F238E27FC236}">
-                <a16:creationId xmlns:a16="http://schemas.microsoft.com/office/drawing/2014/main" id="{7A047A42-C228-F516-2CCF-0756A2D0EB9F}"/>
+                <a16:creationId xmlns:a16="http://schemas.microsoft.com/office/drawing/2014/main" id="{16393CE9-49C5-5D2D-0ECB-53CCDD2A484D}"/>
               </a:ext>
             </a:extLst>
           </p:cNvPr>
@@ -166,7 +166,7 @@
           <p:cNvPr id="3" name="副标题 2">
             <a:extLst>
               <a:ext uri="{FF2B5EF4-FFF2-40B4-BE49-F238E27FC236}">
-                <a16:creationId xmlns:a16="http://schemas.microsoft.com/office/drawing/2014/main" id="{F2D1852A-98CE-18A3-EFCD-FFA19B558209}"/>
+                <a16:creationId xmlns:a16="http://schemas.microsoft.com/office/drawing/2014/main" id="{7F6A6BB3-B18C-4F34-43B9-695B43E91D66}"/>
               </a:ext>
             </a:extLst>
           </p:cNvPr>
@@ -236,7 +236,7 @@
           <p:cNvPr id="4" name="日期占位符 3">
             <a:extLst>
               <a:ext uri="{FF2B5EF4-FFF2-40B4-BE49-F238E27FC236}">
-                <a16:creationId xmlns:a16="http://schemas.microsoft.com/office/drawing/2014/main" id="{C7CD948D-15F2-9216-6024-6217F7950291}"/>
+                <a16:creationId xmlns:a16="http://schemas.microsoft.com/office/drawing/2014/main" id="{B3A3370E-DB1E-25AA-91A8-530ED0262CF3}"/>
               </a:ext>
             </a:extLst>
           </p:cNvPr>
@@ -252,7 +252,7 @@
           <a:bodyPr/>
           <a:lstStyle/>
           <a:p>
-            <a:fld id="{9A8B3384-33CB-42AE-ACF7-12E9EE0F9D6E}" type="datetimeFigureOut">
+            <a:fld id="{1520E798-975C-4259-AAD2-B1BD69E70086}" type="datetimeFigureOut">
               <a:rPr lang="zh-CN" altLang="en-US" smtClean="0"/>
               <a:t>2024/3/10</a:t>
             </a:fld>
@@ -265,7 +265,7 @@
           <p:cNvPr id="5" name="页脚占位符 4">
             <a:extLst>
               <a:ext uri="{FF2B5EF4-FFF2-40B4-BE49-F238E27FC236}">
-                <a16:creationId xmlns:a16="http://schemas.microsoft.com/office/drawing/2014/main" id="{C62EF1C9-FD0D-B57D-6B75-CC3452F34ED6}"/>
+                <a16:creationId xmlns:a16="http://schemas.microsoft.com/office/drawing/2014/main" id="{A25FDFE4-D924-7F35-1CEA-71060DB3AC65}"/>
               </a:ext>
             </a:extLst>
           </p:cNvPr>
@@ -290,7 +290,7 @@
           <p:cNvPr id="6" name="灯片编号占位符 5">
             <a:extLst>
               <a:ext uri="{FF2B5EF4-FFF2-40B4-BE49-F238E27FC236}">
-                <a16:creationId xmlns:a16="http://schemas.microsoft.com/office/drawing/2014/main" id="{357F660E-9C75-6747-0F8E-4BFB07832F8B}"/>
+                <a16:creationId xmlns:a16="http://schemas.microsoft.com/office/drawing/2014/main" id="{F49AE904-C322-7C55-7068-9469ECE8A098}"/>
               </a:ext>
             </a:extLst>
           </p:cNvPr>
@@ -306,7 +306,7 @@
           <a:bodyPr/>
           <a:lstStyle/>
           <a:p>
-            <a:fld id="{F1FCB4AD-A79B-4722-BD0C-5DB0F8F0B59E}" type="slidenum">
+            <a:fld id="{D7FEF1F6-6F73-4AD2-B4BD-1111A82022CD}" type="slidenum">
               <a:rPr lang="zh-CN" altLang="en-US" smtClean="0"/>
               <a:t>‹#›</a:t>
             </a:fld>
@@ -317,7 +317,7 @@
     </p:spTree>
     <p:extLst>
       <p:ext uri="{BB962C8B-B14F-4D97-AF65-F5344CB8AC3E}">
-        <p14:creationId xmlns:p14="http://schemas.microsoft.com/office/powerpoint/2010/main" val="2104137158"/>
+        <p14:creationId xmlns:p14="http://schemas.microsoft.com/office/powerpoint/2010/main" val="2519876934"/>
       </p:ext>
     </p:extLst>
   </p:cSld>
@@ -349,7 +349,7 @@
           <p:cNvPr id="2" name="标题 1">
             <a:extLst>
               <a:ext uri="{FF2B5EF4-FFF2-40B4-BE49-F238E27FC236}">
-                <a16:creationId xmlns:a16="http://schemas.microsoft.com/office/drawing/2014/main" id="{552091C7-A1FE-1FB7-44FF-7E0EB09239E8}"/>
+                <a16:creationId xmlns:a16="http://schemas.microsoft.com/office/drawing/2014/main" id="{DF4714E2-C5FF-A08C-B96B-4E2433A892B9}"/>
               </a:ext>
             </a:extLst>
           </p:cNvPr>
@@ -377,7 +377,7 @@
           <p:cNvPr id="3" name="竖排文字占位符 2">
             <a:extLst>
               <a:ext uri="{FF2B5EF4-FFF2-40B4-BE49-F238E27FC236}">
-                <a16:creationId xmlns:a16="http://schemas.microsoft.com/office/drawing/2014/main" id="{E417CAEB-E5D1-A61F-93AE-182D64677EA2}"/>
+                <a16:creationId xmlns:a16="http://schemas.microsoft.com/office/drawing/2014/main" id="{1B9D1004-3B97-DF7E-282C-F3B0A8C4AFBB}"/>
               </a:ext>
             </a:extLst>
           </p:cNvPr>
@@ -434,7 +434,7 @@
           <p:cNvPr id="4" name="日期占位符 3">
             <a:extLst>
               <a:ext uri="{FF2B5EF4-FFF2-40B4-BE49-F238E27FC236}">
-                <a16:creationId xmlns:a16="http://schemas.microsoft.com/office/drawing/2014/main" id="{2C1C8C48-92E7-7998-15C7-450C9FF1A432}"/>
+                <a16:creationId xmlns:a16="http://schemas.microsoft.com/office/drawing/2014/main" id="{A39892A3-0471-B339-C5CA-29A0ED163534}"/>
               </a:ext>
             </a:extLst>
           </p:cNvPr>
@@ -450,7 +450,7 @@
           <a:bodyPr/>
           <a:lstStyle/>
           <a:p>
-            <a:fld id="{9A8B3384-33CB-42AE-ACF7-12E9EE0F9D6E}" type="datetimeFigureOut">
+            <a:fld id="{1520E798-975C-4259-AAD2-B1BD69E70086}" type="datetimeFigureOut">
               <a:rPr lang="zh-CN" altLang="en-US" smtClean="0"/>
               <a:t>2024/3/10</a:t>
             </a:fld>
@@ -463,7 +463,7 @@
           <p:cNvPr id="5" name="页脚占位符 4">
             <a:extLst>
               <a:ext uri="{FF2B5EF4-FFF2-40B4-BE49-F238E27FC236}">
-                <a16:creationId xmlns:a16="http://schemas.microsoft.com/office/drawing/2014/main" id="{F8CF4895-54E7-96C3-DA34-205187720BC3}"/>
+                <a16:creationId xmlns:a16="http://schemas.microsoft.com/office/drawing/2014/main" id="{EF7443DB-9F00-75C8-5909-ACFB93F55441}"/>
               </a:ext>
             </a:extLst>
           </p:cNvPr>
@@ -488,7 +488,7 @@
           <p:cNvPr id="6" name="灯片编号占位符 5">
             <a:extLst>
               <a:ext uri="{FF2B5EF4-FFF2-40B4-BE49-F238E27FC236}">
-                <a16:creationId xmlns:a16="http://schemas.microsoft.com/office/drawing/2014/main" id="{9AACF629-4E24-FB86-68C9-5CF78724FB31}"/>
+                <a16:creationId xmlns:a16="http://schemas.microsoft.com/office/drawing/2014/main" id="{761A356F-05AC-C73B-3BA2-66E442EE99BE}"/>
               </a:ext>
             </a:extLst>
           </p:cNvPr>
@@ -504,7 +504,7 @@
           <a:bodyPr/>
           <a:lstStyle/>
           <a:p>
-            <a:fld id="{F1FCB4AD-A79B-4722-BD0C-5DB0F8F0B59E}" type="slidenum">
+            <a:fld id="{D7FEF1F6-6F73-4AD2-B4BD-1111A82022CD}" type="slidenum">
               <a:rPr lang="zh-CN" altLang="en-US" smtClean="0"/>
               <a:t>‹#›</a:t>
             </a:fld>
@@ -515,7 +515,7 @@
     </p:spTree>
     <p:extLst>
       <p:ext uri="{BB962C8B-B14F-4D97-AF65-F5344CB8AC3E}">
-        <p14:creationId xmlns:p14="http://schemas.microsoft.com/office/powerpoint/2010/main" val="2228100808"/>
+        <p14:creationId xmlns:p14="http://schemas.microsoft.com/office/powerpoint/2010/main" val="695828983"/>
       </p:ext>
     </p:extLst>
   </p:cSld>
@@ -547,7 +547,7 @@
           <p:cNvPr id="2" name="竖排标题 1">
             <a:extLst>
               <a:ext uri="{FF2B5EF4-FFF2-40B4-BE49-F238E27FC236}">
-                <a16:creationId xmlns:a16="http://schemas.microsoft.com/office/drawing/2014/main" id="{1429593F-1ECD-E750-8E2C-FB955B2F5A07}"/>
+                <a16:creationId xmlns:a16="http://schemas.microsoft.com/office/drawing/2014/main" id="{885C8DE6-15F7-3965-96C5-7BEB49CF0292}"/>
               </a:ext>
             </a:extLst>
           </p:cNvPr>
@@ -580,7 +580,7 @@
           <p:cNvPr id="3" name="竖排文字占位符 2">
             <a:extLst>
               <a:ext uri="{FF2B5EF4-FFF2-40B4-BE49-F238E27FC236}">
-                <a16:creationId xmlns:a16="http://schemas.microsoft.com/office/drawing/2014/main" id="{5E3D1785-3828-88AF-CBE3-5AA041D2E5BD}"/>
+                <a16:creationId xmlns:a16="http://schemas.microsoft.com/office/drawing/2014/main" id="{A4640FC4-3D9D-1B36-E1E2-672F92423DBB}"/>
               </a:ext>
             </a:extLst>
           </p:cNvPr>
@@ -642,7 +642,7 @@
           <p:cNvPr id="4" name="日期占位符 3">
             <a:extLst>
               <a:ext uri="{FF2B5EF4-FFF2-40B4-BE49-F238E27FC236}">
-                <a16:creationId xmlns:a16="http://schemas.microsoft.com/office/drawing/2014/main" id="{BF6FDA66-2FAD-0ACA-43BB-A58F1E462D33}"/>
+                <a16:creationId xmlns:a16="http://schemas.microsoft.com/office/drawing/2014/main" id="{499CAC2C-4A86-B1B4-59F4-974A7A7958DF}"/>
               </a:ext>
             </a:extLst>
           </p:cNvPr>
@@ -658,7 +658,7 @@
           <a:bodyPr/>
           <a:lstStyle/>
           <a:p>
-            <a:fld id="{9A8B3384-33CB-42AE-ACF7-12E9EE0F9D6E}" type="datetimeFigureOut">
+            <a:fld id="{1520E798-975C-4259-AAD2-B1BD69E70086}" type="datetimeFigureOut">
               <a:rPr lang="zh-CN" altLang="en-US" smtClean="0"/>
               <a:t>2024/3/10</a:t>
             </a:fld>
@@ -671,7 +671,7 @@
           <p:cNvPr id="5" name="页脚占位符 4">
             <a:extLst>
               <a:ext uri="{FF2B5EF4-FFF2-40B4-BE49-F238E27FC236}">
-                <a16:creationId xmlns:a16="http://schemas.microsoft.com/office/drawing/2014/main" id="{2608D22F-8FEA-1219-8B1E-6376DD3D71BB}"/>
+                <a16:creationId xmlns:a16="http://schemas.microsoft.com/office/drawing/2014/main" id="{65525D9E-3860-8491-5A39-BB1DB3239C78}"/>
               </a:ext>
             </a:extLst>
           </p:cNvPr>
@@ -696,7 +696,7 @@
           <p:cNvPr id="6" name="灯片编号占位符 5">
             <a:extLst>
               <a:ext uri="{FF2B5EF4-FFF2-40B4-BE49-F238E27FC236}">
-                <a16:creationId xmlns:a16="http://schemas.microsoft.com/office/drawing/2014/main" id="{8F34C5CE-AA61-BB39-F038-4A52146B4540}"/>
+                <a16:creationId xmlns:a16="http://schemas.microsoft.com/office/drawing/2014/main" id="{8C5ED36E-3068-0EEA-B345-870EBF037D9F}"/>
               </a:ext>
             </a:extLst>
           </p:cNvPr>
@@ -712,7 +712,7 @@
           <a:bodyPr/>
           <a:lstStyle/>
           <a:p>
-            <a:fld id="{F1FCB4AD-A79B-4722-BD0C-5DB0F8F0B59E}" type="slidenum">
+            <a:fld id="{D7FEF1F6-6F73-4AD2-B4BD-1111A82022CD}" type="slidenum">
               <a:rPr lang="zh-CN" altLang="en-US" smtClean="0"/>
               <a:t>‹#›</a:t>
             </a:fld>
@@ -723,7 +723,7 @@
     </p:spTree>
     <p:extLst>
       <p:ext uri="{BB962C8B-B14F-4D97-AF65-F5344CB8AC3E}">
-        <p14:creationId xmlns:p14="http://schemas.microsoft.com/office/powerpoint/2010/main" val="1693573036"/>
+        <p14:creationId xmlns:p14="http://schemas.microsoft.com/office/powerpoint/2010/main" val="881954761"/>
       </p:ext>
     </p:extLst>
   </p:cSld>
@@ -755,7 +755,7 @@
           <p:cNvPr id="2" name="标题 1">
             <a:extLst>
               <a:ext uri="{FF2B5EF4-FFF2-40B4-BE49-F238E27FC236}">
-                <a16:creationId xmlns:a16="http://schemas.microsoft.com/office/drawing/2014/main" id="{684F2159-EE42-3E68-1DE6-9944F9A85EAE}"/>
+                <a16:creationId xmlns:a16="http://schemas.microsoft.com/office/drawing/2014/main" id="{2B1DA4E4-759A-8267-A2A8-3EA4119D2181}"/>
               </a:ext>
             </a:extLst>
           </p:cNvPr>
@@ -783,7 +783,7 @@
           <p:cNvPr id="3" name="内容占位符 2">
             <a:extLst>
               <a:ext uri="{FF2B5EF4-FFF2-40B4-BE49-F238E27FC236}">
-                <a16:creationId xmlns:a16="http://schemas.microsoft.com/office/drawing/2014/main" id="{7C754118-B2FA-40DA-F3F4-483EB7DFFC3A}"/>
+                <a16:creationId xmlns:a16="http://schemas.microsoft.com/office/drawing/2014/main" id="{B7065D63-4F5D-F6E8-8430-4EFB72024765}"/>
               </a:ext>
             </a:extLst>
           </p:cNvPr>
@@ -840,7 +840,7 @@
           <p:cNvPr id="4" name="日期占位符 3">
             <a:extLst>
               <a:ext uri="{FF2B5EF4-FFF2-40B4-BE49-F238E27FC236}">
-                <a16:creationId xmlns:a16="http://schemas.microsoft.com/office/drawing/2014/main" id="{8FFFB994-008F-AC01-1C7D-94BFA72D66B3}"/>
+                <a16:creationId xmlns:a16="http://schemas.microsoft.com/office/drawing/2014/main" id="{F951CE9C-FCFA-9F32-D5D1-4823DC1E31B9}"/>
               </a:ext>
             </a:extLst>
           </p:cNvPr>
@@ -856,7 +856,7 @@
           <a:bodyPr/>
           <a:lstStyle/>
           <a:p>
-            <a:fld id="{9A8B3384-33CB-42AE-ACF7-12E9EE0F9D6E}" type="datetimeFigureOut">
+            <a:fld id="{1520E798-975C-4259-AAD2-B1BD69E70086}" type="datetimeFigureOut">
               <a:rPr lang="zh-CN" altLang="en-US" smtClean="0"/>
               <a:t>2024/3/10</a:t>
             </a:fld>
@@ -869,7 +869,7 @@
           <p:cNvPr id="5" name="页脚占位符 4">
             <a:extLst>
               <a:ext uri="{FF2B5EF4-FFF2-40B4-BE49-F238E27FC236}">
-                <a16:creationId xmlns:a16="http://schemas.microsoft.com/office/drawing/2014/main" id="{2F8C73FC-DE9F-C85C-5173-94B51EC8B847}"/>
+                <a16:creationId xmlns:a16="http://schemas.microsoft.com/office/drawing/2014/main" id="{8873E9E1-61E7-DF45-EDF7-2B6938CE5BFF}"/>
               </a:ext>
             </a:extLst>
           </p:cNvPr>
@@ -894,7 +894,7 @@
           <p:cNvPr id="6" name="灯片编号占位符 5">
             <a:extLst>
               <a:ext uri="{FF2B5EF4-FFF2-40B4-BE49-F238E27FC236}">
-                <a16:creationId xmlns:a16="http://schemas.microsoft.com/office/drawing/2014/main" id="{78B4EDA7-DA01-6192-199C-363573BEC1D1}"/>
+                <a16:creationId xmlns:a16="http://schemas.microsoft.com/office/drawing/2014/main" id="{3350B423-8A89-79BB-C3D5-49A3CCB856E5}"/>
               </a:ext>
             </a:extLst>
           </p:cNvPr>
@@ -910,7 +910,7 @@
           <a:bodyPr/>
           <a:lstStyle/>
           <a:p>
-            <a:fld id="{F1FCB4AD-A79B-4722-BD0C-5DB0F8F0B59E}" type="slidenum">
+            <a:fld id="{D7FEF1F6-6F73-4AD2-B4BD-1111A82022CD}" type="slidenum">
               <a:rPr lang="zh-CN" altLang="en-US" smtClean="0"/>
               <a:t>‹#›</a:t>
             </a:fld>
@@ -921,7 +921,7 @@
     </p:spTree>
     <p:extLst>
       <p:ext uri="{BB962C8B-B14F-4D97-AF65-F5344CB8AC3E}">
-        <p14:creationId xmlns:p14="http://schemas.microsoft.com/office/powerpoint/2010/main" val="2561578977"/>
+        <p14:creationId xmlns:p14="http://schemas.microsoft.com/office/powerpoint/2010/main" val="3332354275"/>
       </p:ext>
     </p:extLst>
   </p:cSld>
@@ -953,7 +953,7 @@
           <p:cNvPr id="2" name="标题 1">
             <a:extLst>
               <a:ext uri="{FF2B5EF4-FFF2-40B4-BE49-F238E27FC236}">
-                <a16:creationId xmlns:a16="http://schemas.microsoft.com/office/drawing/2014/main" id="{6F8082F6-1CCE-0C85-BBD0-33DA60DE5AA5}"/>
+                <a16:creationId xmlns:a16="http://schemas.microsoft.com/office/drawing/2014/main" id="{C346012B-62F2-8231-4330-FD63668423C4}"/>
               </a:ext>
             </a:extLst>
           </p:cNvPr>
@@ -990,7 +990,7 @@
           <p:cNvPr id="3" name="文本占位符 2">
             <a:extLst>
               <a:ext uri="{FF2B5EF4-FFF2-40B4-BE49-F238E27FC236}">
-                <a16:creationId xmlns:a16="http://schemas.microsoft.com/office/drawing/2014/main" id="{297E8602-0871-9185-ECF5-8DCC4965F793}"/>
+                <a16:creationId xmlns:a16="http://schemas.microsoft.com/office/drawing/2014/main" id="{DD4F1F60-C687-7FD8-9B39-C07A43E8C92B}"/>
               </a:ext>
             </a:extLst>
           </p:cNvPr>
@@ -1115,7 +1115,7 @@
           <p:cNvPr id="4" name="日期占位符 3">
             <a:extLst>
               <a:ext uri="{FF2B5EF4-FFF2-40B4-BE49-F238E27FC236}">
-                <a16:creationId xmlns:a16="http://schemas.microsoft.com/office/drawing/2014/main" id="{AFA23678-D001-E679-D4FF-C894BEE68552}"/>
+                <a16:creationId xmlns:a16="http://schemas.microsoft.com/office/drawing/2014/main" id="{1D5D6350-9FFB-0A27-509C-B198D0BE21FC}"/>
               </a:ext>
             </a:extLst>
           </p:cNvPr>
@@ -1131,7 +1131,7 @@
           <a:bodyPr/>
           <a:lstStyle/>
           <a:p>
-            <a:fld id="{9A8B3384-33CB-42AE-ACF7-12E9EE0F9D6E}" type="datetimeFigureOut">
+            <a:fld id="{1520E798-975C-4259-AAD2-B1BD69E70086}" type="datetimeFigureOut">
               <a:rPr lang="zh-CN" altLang="en-US" smtClean="0"/>
               <a:t>2024/3/10</a:t>
             </a:fld>
@@ -1144,7 +1144,7 @@
           <p:cNvPr id="5" name="页脚占位符 4">
             <a:extLst>
               <a:ext uri="{FF2B5EF4-FFF2-40B4-BE49-F238E27FC236}">
-                <a16:creationId xmlns:a16="http://schemas.microsoft.com/office/drawing/2014/main" id="{338EC903-4147-A8CE-ADA0-E77AA2490576}"/>
+                <a16:creationId xmlns:a16="http://schemas.microsoft.com/office/drawing/2014/main" id="{28707FC2-283A-D136-09E2-5F0CE11A9C20}"/>
               </a:ext>
             </a:extLst>
           </p:cNvPr>
@@ -1169,7 +1169,7 @@
           <p:cNvPr id="6" name="灯片编号占位符 5">
             <a:extLst>
               <a:ext uri="{FF2B5EF4-FFF2-40B4-BE49-F238E27FC236}">
-                <a16:creationId xmlns:a16="http://schemas.microsoft.com/office/drawing/2014/main" id="{7CE19C5F-9A77-9581-1007-096C5D071ACE}"/>
+                <a16:creationId xmlns:a16="http://schemas.microsoft.com/office/drawing/2014/main" id="{3CB435F8-D8BE-1899-0617-EE5A11F02135}"/>
               </a:ext>
             </a:extLst>
           </p:cNvPr>
@@ -1185,7 +1185,7 @@
           <a:bodyPr/>
           <a:lstStyle/>
           <a:p>
-            <a:fld id="{F1FCB4AD-A79B-4722-BD0C-5DB0F8F0B59E}" type="slidenum">
+            <a:fld id="{D7FEF1F6-6F73-4AD2-B4BD-1111A82022CD}" type="slidenum">
               <a:rPr lang="zh-CN" altLang="en-US" smtClean="0"/>
               <a:t>‹#›</a:t>
             </a:fld>
@@ -1196,7 +1196,7 @@
     </p:spTree>
     <p:extLst>
       <p:ext uri="{BB962C8B-B14F-4D97-AF65-F5344CB8AC3E}">
-        <p14:creationId xmlns:p14="http://schemas.microsoft.com/office/powerpoint/2010/main" val="745978061"/>
+        <p14:creationId xmlns:p14="http://schemas.microsoft.com/office/powerpoint/2010/main" val="1349551995"/>
       </p:ext>
     </p:extLst>
   </p:cSld>
@@ -1228,7 +1228,7 @@
           <p:cNvPr id="2" name="标题 1">
             <a:extLst>
               <a:ext uri="{FF2B5EF4-FFF2-40B4-BE49-F238E27FC236}">
-                <a16:creationId xmlns:a16="http://schemas.microsoft.com/office/drawing/2014/main" id="{B6FE0745-D518-64ED-3069-8C7979AA2611}"/>
+                <a16:creationId xmlns:a16="http://schemas.microsoft.com/office/drawing/2014/main" id="{6F89EE83-56D6-911B-9725-F3D60EB56451}"/>
               </a:ext>
             </a:extLst>
           </p:cNvPr>
@@ -1256,7 +1256,7 @@
           <p:cNvPr id="3" name="内容占位符 2">
             <a:extLst>
               <a:ext uri="{FF2B5EF4-FFF2-40B4-BE49-F238E27FC236}">
-                <a16:creationId xmlns:a16="http://schemas.microsoft.com/office/drawing/2014/main" id="{4AF59F51-014B-6DDC-9642-37FA94F385F5}"/>
+                <a16:creationId xmlns:a16="http://schemas.microsoft.com/office/drawing/2014/main" id="{3B0C4B1B-31FF-2FCF-40CE-B35061F4B18D}"/>
               </a:ext>
             </a:extLst>
           </p:cNvPr>
@@ -1318,7 +1318,7 @@
           <p:cNvPr id="4" name="内容占位符 3">
             <a:extLst>
               <a:ext uri="{FF2B5EF4-FFF2-40B4-BE49-F238E27FC236}">
-                <a16:creationId xmlns:a16="http://schemas.microsoft.com/office/drawing/2014/main" id="{01B5C8F9-8148-42D0-21A4-9C0E77D96C7D}"/>
+                <a16:creationId xmlns:a16="http://schemas.microsoft.com/office/drawing/2014/main" id="{9AA0DAD3-F5D2-CC60-838A-422495BD3FDF}"/>
               </a:ext>
             </a:extLst>
           </p:cNvPr>
@@ -1380,7 +1380,7 @@
           <p:cNvPr id="5" name="日期占位符 4">
             <a:extLst>
               <a:ext uri="{FF2B5EF4-FFF2-40B4-BE49-F238E27FC236}">
-                <a16:creationId xmlns:a16="http://schemas.microsoft.com/office/drawing/2014/main" id="{3DAEE8AD-8A8B-C6D3-660D-92C9D10CBB62}"/>
+                <a16:creationId xmlns:a16="http://schemas.microsoft.com/office/drawing/2014/main" id="{82B59CC5-135F-06B2-939C-70C47B856421}"/>
               </a:ext>
             </a:extLst>
           </p:cNvPr>
@@ -1396,7 +1396,7 @@
           <a:bodyPr/>
           <a:lstStyle/>
           <a:p>
-            <a:fld id="{9A8B3384-33CB-42AE-ACF7-12E9EE0F9D6E}" type="datetimeFigureOut">
+            <a:fld id="{1520E798-975C-4259-AAD2-B1BD69E70086}" type="datetimeFigureOut">
               <a:rPr lang="zh-CN" altLang="en-US" smtClean="0"/>
               <a:t>2024/3/10</a:t>
             </a:fld>
@@ -1409,7 +1409,7 @@
           <p:cNvPr id="6" name="页脚占位符 5">
             <a:extLst>
               <a:ext uri="{FF2B5EF4-FFF2-40B4-BE49-F238E27FC236}">
-                <a16:creationId xmlns:a16="http://schemas.microsoft.com/office/drawing/2014/main" id="{D38A3D42-89A8-CB1E-9067-6DAC9FD86513}"/>
+                <a16:creationId xmlns:a16="http://schemas.microsoft.com/office/drawing/2014/main" id="{6EC7CF93-2CF7-7D69-59FC-728D6C2335A9}"/>
               </a:ext>
             </a:extLst>
           </p:cNvPr>
@@ -1434,7 +1434,7 @@
           <p:cNvPr id="7" name="灯片编号占位符 6">
             <a:extLst>
               <a:ext uri="{FF2B5EF4-FFF2-40B4-BE49-F238E27FC236}">
-                <a16:creationId xmlns:a16="http://schemas.microsoft.com/office/drawing/2014/main" id="{38EE359D-7862-43CF-00F3-05F73BD8140C}"/>
+                <a16:creationId xmlns:a16="http://schemas.microsoft.com/office/drawing/2014/main" id="{C3F8F05C-29B0-7378-600F-5B4CA8984275}"/>
               </a:ext>
             </a:extLst>
           </p:cNvPr>
@@ -1450,7 +1450,7 @@
           <a:bodyPr/>
           <a:lstStyle/>
           <a:p>
-            <a:fld id="{F1FCB4AD-A79B-4722-BD0C-5DB0F8F0B59E}" type="slidenum">
+            <a:fld id="{D7FEF1F6-6F73-4AD2-B4BD-1111A82022CD}" type="slidenum">
               <a:rPr lang="zh-CN" altLang="en-US" smtClean="0"/>
               <a:t>‹#›</a:t>
             </a:fld>
@@ -1461,7 +1461,7 @@
     </p:spTree>
     <p:extLst>
       <p:ext uri="{BB962C8B-B14F-4D97-AF65-F5344CB8AC3E}">
-        <p14:creationId xmlns:p14="http://schemas.microsoft.com/office/powerpoint/2010/main" val="2751313078"/>
+        <p14:creationId xmlns:p14="http://schemas.microsoft.com/office/powerpoint/2010/main" val="2632665432"/>
       </p:ext>
     </p:extLst>
   </p:cSld>
@@ -1493,7 +1493,7 @@
           <p:cNvPr id="2" name="标题 1">
             <a:extLst>
               <a:ext uri="{FF2B5EF4-FFF2-40B4-BE49-F238E27FC236}">
-                <a16:creationId xmlns:a16="http://schemas.microsoft.com/office/drawing/2014/main" id="{3E175EE6-584B-37B0-04F5-9DAF1803A6ED}"/>
+                <a16:creationId xmlns:a16="http://schemas.microsoft.com/office/drawing/2014/main" id="{E2A6D1EA-30F2-0D4D-D5C2-9F82DC95F68F}"/>
               </a:ext>
             </a:extLst>
           </p:cNvPr>
@@ -1526,7 +1526,7 @@
           <p:cNvPr id="3" name="文本占位符 2">
             <a:extLst>
               <a:ext uri="{FF2B5EF4-FFF2-40B4-BE49-F238E27FC236}">
-                <a16:creationId xmlns:a16="http://schemas.microsoft.com/office/drawing/2014/main" id="{466F3E97-9DCB-905D-DB7C-F0A8E96C0A13}"/>
+                <a16:creationId xmlns:a16="http://schemas.microsoft.com/office/drawing/2014/main" id="{092F38A0-A4F8-3C48-3735-EBBF3E8E9564}"/>
               </a:ext>
             </a:extLst>
           </p:cNvPr>
@@ -1597,7 +1597,7 @@
           <p:cNvPr id="4" name="内容占位符 3">
             <a:extLst>
               <a:ext uri="{FF2B5EF4-FFF2-40B4-BE49-F238E27FC236}">
-                <a16:creationId xmlns:a16="http://schemas.microsoft.com/office/drawing/2014/main" id="{E8C00614-1299-324A-5304-B606783E6078}"/>
+                <a16:creationId xmlns:a16="http://schemas.microsoft.com/office/drawing/2014/main" id="{934E845F-DF4C-6FAE-33F5-C8D302397D6A}"/>
               </a:ext>
             </a:extLst>
           </p:cNvPr>
@@ -1659,7 +1659,7 @@
           <p:cNvPr id="5" name="文本占位符 4">
             <a:extLst>
               <a:ext uri="{FF2B5EF4-FFF2-40B4-BE49-F238E27FC236}">
-                <a16:creationId xmlns:a16="http://schemas.microsoft.com/office/drawing/2014/main" id="{28DA32AE-C878-9A02-0E29-6FDA17F073DE}"/>
+                <a16:creationId xmlns:a16="http://schemas.microsoft.com/office/drawing/2014/main" id="{A6F05DA6-2EFA-443D-005E-EC8FFA8E7EC1}"/>
               </a:ext>
             </a:extLst>
           </p:cNvPr>
@@ -1730,7 +1730,7 @@
           <p:cNvPr id="6" name="内容占位符 5">
             <a:extLst>
               <a:ext uri="{FF2B5EF4-FFF2-40B4-BE49-F238E27FC236}">
-                <a16:creationId xmlns:a16="http://schemas.microsoft.com/office/drawing/2014/main" id="{CB3C259A-E131-1AE6-70BD-AEB7F7DE6907}"/>
+                <a16:creationId xmlns:a16="http://schemas.microsoft.com/office/drawing/2014/main" id="{13D9D693-D2EE-2D23-3B38-CF620D06F5FB}"/>
               </a:ext>
             </a:extLst>
           </p:cNvPr>
@@ -1792,7 +1792,7 @@
           <p:cNvPr id="7" name="日期占位符 6">
             <a:extLst>
               <a:ext uri="{FF2B5EF4-FFF2-40B4-BE49-F238E27FC236}">
-                <a16:creationId xmlns:a16="http://schemas.microsoft.com/office/drawing/2014/main" id="{05678D35-C028-E761-53BC-7AA223364CF2}"/>
+                <a16:creationId xmlns:a16="http://schemas.microsoft.com/office/drawing/2014/main" id="{30A8C0D8-BDB5-E748-711D-030BB300203B}"/>
               </a:ext>
             </a:extLst>
           </p:cNvPr>
@@ -1808,7 +1808,7 @@
           <a:bodyPr/>
           <a:lstStyle/>
           <a:p>
-            <a:fld id="{9A8B3384-33CB-42AE-ACF7-12E9EE0F9D6E}" type="datetimeFigureOut">
+            <a:fld id="{1520E798-975C-4259-AAD2-B1BD69E70086}" type="datetimeFigureOut">
               <a:rPr lang="zh-CN" altLang="en-US" smtClean="0"/>
               <a:t>2024/3/10</a:t>
             </a:fld>
@@ -1821,7 +1821,7 @@
           <p:cNvPr id="8" name="页脚占位符 7">
             <a:extLst>
               <a:ext uri="{FF2B5EF4-FFF2-40B4-BE49-F238E27FC236}">
-                <a16:creationId xmlns:a16="http://schemas.microsoft.com/office/drawing/2014/main" id="{6915E743-0ABC-27D4-13C6-4C00BD1F134A}"/>
+                <a16:creationId xmlns:a16="http://schemas.microsoft.com/office/drawing/2014/main" id="{FC1BE16F-C775-165D-71FE-7EAA100B46C3}"/>
               </a:ext>
             </a:extLst>
           </p:cNvPr>
@@ -1846,7 +1846,7 @@
           <p:cNvPr id="9" name="灯片编号占位符 8">
             <a:extLst>
               <a:ext uri="{FF2B5EF4-FFF2-40B4-BE49-F238E27FC236}">
-                <a16:creationId xmlns:a16="http://schemas.microsoft.com/office/drawing/2014/main" id="{A25D76B3-3467-BCDC-2FC1-38ED31CC6A62}"/>
+                <a16:creationId xmlns:a16="http://schemas.microsoft.com/office/drawing/2014/main" id="{777DFA8C-0A23-53C2-69C8-B11B873C0A38}"/>
               </a:ext>
             </a:extLst>
           </p:cNvPr>
@@ -1862,7 +1862,7 @@
           <a:bodyPr/>
           <a:lstStyle/>
           <a:p>
-            <a:fld id="{F1FCB4AD-A79B-4722-BD0C-5DB0F8F0B59E}" type="slidenum">
+            <a:fld id="{D7FEF1F6-6F73-4AD2-B4BD-1111A82022CD}" type="slidenum">
               <a:rPr lang="zh-CN" altLang="en-US" smtClean="0"/>
               <a:t>‹#›</a:t>
             </a:fld>
@@ -1873,7 +1873,7 @@
     </p:spTree>
     <p:extLst>
       <p:ext uri="{BB962C8B-B14F-4D97-AF65-F5344CB8AC3E}">
-        <p14:creationId xmlns:p14="http://schemas.microsoft.com/office/powerpoint/2010/main" val="2635395701"/>
+        <p14:creationId xmlns:p14="http://schemas.microsoft.com/office/powerpoint/2010/main" val="405556015"/>
       </p:ext>
     </p:extLst>
   </p:cSld>
@@ -1905,7 +1905,7 @@
           <p:cNvPr id="2" name="标题 1">
             <a:extLst>
               <a:ext uri="{FF2B5EF4-FFF2-40B4-BE49-F238E27FC236}">
-                <a16:creationId xmlns:a16="http://schemas.microsoft.com/office/drawing/2014/main" id="{222EC7FD-DB4F-2D5B-8CCB-D042B1DCE6CF}"/>
+                <a16:creationId xmlns:a16="http://schemas.microsoft.com/office/drawing/2014/main" id="{D531B944-5087-AA5B-5586-A92D928ED6CE}"/>
               </a:ext>
             </a:extLst>
           </p:cNvPr>
@@ -1933,7 +1933,7 @@
           <p:cNvPr id="3" name="日期占位符 2">
             <a:extLst>
               <a:ext uri="{FF2B5EF4-FFF2-40B4-BE49-F238E27FC236}">
-                <a16:creationId xmlns:a16="http://schemas.microsoft.com/office/drawing/2014/main" id="{FD36A705-0773-1AC8-F0E0-7E957CD45F89}"/>
+                <a16:creationId xmlns:a16="http://schemas.microsoft.com/office/drawing/2014/main" id="{A751E5AB-19D3-6BD4-05CE-033C8C652B3D}"/>
               </a:ext>
             </a:extLst>
           </p:cNvPr>
@@ -1949,7 +1949,7 @@
           <a:bodyPr/>
           <a:lstStyle/>
           <a:p>
-            <a:fld id="{9A8B3384-33CB-42AE-ACF7-12E9EE0F9D6E}" type="datetimeFigureOut">
+            <a:fld id="{1520E798-975C-4259-AAD2-B1BD69E70086}" type="datetimeFigureOut">
               <a:rPr lang="zh-CN" altLang="en-US" smtClean="0"/>
               <a:t>2024/3/10</a:t>
             </a:fld>
@@ -1962,7 +1962,7 @@
           <p:cNvPr id="4" name="页脚占位符 3">
             <a:extLst>
               <a:ext uri="{FF2B5EF4-FFF2-40B4-BE49-F238E27FC236}">
-                <a16:creationId xmlns:a16="http://schemas.microsoft.com/office/drawing/2014/main" id="{6CCFAB52-A91C-D347-ED72-6D61E3019139}"/>
+                <a16:creationId xmlns:a16="http://schemas.microsoft.com/office/drawing/2014/main" id="{4F7414AC-2D83-3EB7-FD7F-3C6385C474E4}"/>
               </a:ext>
             </a:extLst>
           </p:cNvPr>
@@ -1987,7 +1987,7 @@
           <p:cNvPr id="5" name="灯片编号占位符 4">
             <a:extLst>
               <a:ext uri="{FF2B5EF4-FFF2-40B4-BE49-F238E27FC236}">
-                <a16:creationId xmlns:a16="http://schemas.microsoft.com/office/drawing/2014/main" id="{3FA0B33A-D6C8-B050-57B1-CED532485FB0}"/>
+                <a16:creationId xmlns:a16="http://schemas.microsoft.com/office/drawing/2014/main" id="{482A0CEB-DADD-C8F5-DA1B-589474EB4BD6}"/>
               </a:ext>
             </a:extLst>
           </p:cNvPr>
@@ -2003,7 +2003,7 @@
           <a:bodyPr/>
           <a:lstStyle/>
           <a:p>
-            <a:fld id="{F1FCB4AD-A79B-4722-BD0C-5DB0F8F0B59E}" type="slidenum">
+            <a:fld id="{D7FEF1F6-6F73-4AD2-B4BD-1111A82022CD}" type="slidenum">
               <a:rPr lang="zh-CN" altLang="en-US" smtClean="0"/>
               <a:t>‹#›</a:t>
             </a:fld>
@@ -2014,7 +2014,7 @@
     </p:spTree>
     <p:extLst>
       <p:ext uri="{BB962C8B-B14F-4D97-AF65-F5344CB8AC3E}">
-        <p14:creationId xmlns:p14="http://schemas.microsoft.com/office/powerpoint/2010/main" val="1639227650"/>
+        <p14:creationId xmlns:p14="http://schemas.microsoft.com/office/powerpoint/2010/main" val="2007160918"/>
       </p:ext>
     </p:extLst>
   </p:cSld>
@@ -2046,7 +2046,7 @@
           <p:cNvPr id="2" name="日期占位符 1">
             <a:extLst>
               <a:ext uri="{FF2B5EF4-FFF2-40B4-BE49-F238E27FC236}">
-                <a16:creationId xmlns:a16="http://schemas.microsoft.com/office/drawing/2014/main" id="{CB181131-2E2C-F9E6-295D-29A7036EB807}"/>
+                <a16:creationId xmlns:a16="http://schemas.microsoft.com/office/drawing/2014/main" id="{6E448901-0BFA-4B7A-7A56-A987A35EA541}"/>
               </a:ext>
             </a:extLst>
           </p:cNvPr>
@@ -2062,7 +2062,7 @@
           <a:bodyPr/>
           <a:lstStyle/>
           <a:p>
-            <a:fld id="{9A8B3384-33CB-42AE-ACF7-12E9EE0F9D6E}" type="datetimeFigureOut">
+            <a:fld id="{1520E798-975C-4259-AAD2-B1BD69E70086}" type="datetimeFigureOut">
               <a:rPr lang="zh-CN" altLang="en-US" smtClean="0"/>
               <a:t>2024/3/10</a:t>
             </a:fld>
@@ -2075,7 +2075,7 @@
           <p:cNvPr id="3" name="页脚占位符 2">
             <a:extLst>
               <a:ext uri="{FF2B5EF4-FFF2-40B4-BE49-F238E27FC236}">
-                <a16:creationId xmlns:a16="http://schemas.microsoft.com/office/drawing/2014/main" id="{879C4238-03A9-98B9-B7B6-FC46779B9BDD}"/>
+                <a16:creationId xmlns:a16="http://schemas.microsoft.com/office/drawing/2014/main" id="{02309313-8B39-C096-0A18-475E740C028C}"/>
               </a:ext>
             </a:extLst>
           </p:cNvPr>
@@ -2100,7 +2100,7 @@
           <p:cNvPr id="4" name="灯片编号占位符 3">
             <a:extLst>
               <a:ext uri="{FF2B5EF4-FFF2-40B4-BE49-F238E27FC236}">
-                <a16:creationId xmlns:a16="http://schemas.microsoft.com/office/drawing/2014/main" id="{C71F01A7-F95D-28DC-7753-55D80DCE0D6C}"/>
+                <a16:creationId xmlns:a16="http://schemas.microsoft.com/office/drawing/2014/main" id="{3FD62A94-188A-FFBC-EF6D-303BB6295BC6}"/>
               </a:ext>
             </a:extLst>
           </p:cNvPr>
@@ -2116,7 +2116,7 @@
           <a:bodyPr/>
           <a:lstStyle/>
           <a:p>
-            <a:fld id="{F1FCB4AD-A79B-4722-BD0C-5DB0F8F0B59E}" type="slidenum">
+            <a:fld id="{D7FEF1F6-6F73-4AD2-B4BD-1111A82022CD}" type="slidenum">
               <a:rPr lang="zh-CN" altLang="en-US" smtClean="0"/>
               <a:t>‹#›</a:t>
             </a:fld>
@@ -2127,7 +2127,7 @@
     </p:spTree>
     <p:extLst>
       <p:ext uri="{BB962C8B-B14F-4D97-AF65-F5344CB8AC3E}">
-        <p14:creationId xmlns:p14="http://schemas.microsoft.com/office/powerpoint/2010/main" val="522530504"/>
+        <p14:creationId xmlns:p14="http://schemas.microsoft.com/office/powerpoint/2010/main" val="268946739"/>
       </p:ext>
     </p:extLst>
   </p:cSld>
@@ -2159,7 +2159,7 @@
           <p:cNvPr id="2" name="标题 1">
             <a:extLst>
               <a:ext uri="{FF2B5EF4-FFF2-40B4-BE49-F238E27FC236}">
-                <a16:creationId xmlns:a16="http://schemas.microsoft.com/office/drawing/2014/main" id="{300281FE-2AE8-B092-4E1D-E0AED5CDF1DC}"/>
+                <a16:creationId xmlns:a16="http://schemas.microsoft.com/office/drawing/2014/main" id="{D73D8E30-A815-D9E5-6284-B34795A1CB39}"/>
               </a:ext>
             </a:extLst>
           </p:cNvPr>
@@ -2196,7 +2196,7 @@
           <p:cNvPr id="3" name="内容占位符 2">
             <a:extLst>
               <a:ext uri="{FF2B5EF4-FFF2-40B4-BE49-F238E27FC236}">
-                <a16:creationId xmlns:a16="http://schemas.microsoft.com/office/drawing/2014/main" id="{6B52F892-73B5-9AE9-D130-593D36F7171C}"/>
+                <a16:creationId xmlns:a16="http://schemas.microsoft.com/office/drawing/2014/main" id="{73BF2F2C-818E-4D69-7CC3-74743C4CC691}"/>
               </a:ext>
             </a:extLst>
           </p:cNvPr>
@@ -2286,7 +2286,7 @@
           <p:cNvPr id="4" name="文本占位符 3">
             <a:extLst>
               <a:ext uri="{FF2B5EF4-FFF2-40B4-BE49-F238E27FC236}">
-                <a16:creationId xmlns:a16="http://schemas.microsoft.com/office/drawing/2014/main" id="{CD37C3BB-21CA-CF84-5F88-CC5A4C4E80F9}"/>
+                <a16:creationId xmlns:a16="http://schemas.microsoft.com/office/drawing/2014/main" id="{2F99471A-32B8-86C9-B326-AFFB485EED5F}"/>
               </a:ext>
             </a:extLst>
           </p:cNvPr>
@@ -2357,7 +2357,7 @@
           <p:cNvPr id="5" name="日期占位符 4">
             <a:extLst>
               <a:ext uri="{FF2B5EF4-FFF2-40B4-BE49-F238E27FC236}">
-                <a16:creationId xmlns:a16="http://schemas.microsoft.com/office/drawing/2014/main" id="{2A272BBE-F433-D8FD-463A-8C83D26E896A}"/>
+                <a16:creationId xmlns:a16="http://schemas.microsoft.com/office/drawing/2014/main" id="{7344C7E6-3843-9C31-3E45-B17F68D7A7F5}"/>
               </a:ext>
             </a:extLst>
           </p:cNvPr>
@@ -2373,7 +2373,7 @@
           <a:bodyPr/>
           <a:lstStyle/>
           <a:p>
-            <a:fld id="{9A8B3384-33CB-42AE-ACF7-12E9EE0F9D6E}" type="datetimeFigureOut">
+            <a:fld id="{1520E798-975C-4259-AAD2-B1BD69E70086}" type="datetimeFigureOut">
               <a:rPr lang="zh-CN" altLang="en-US" smtClean="0"/>
               <a:t>2024/3/10</a:t>
             </a:fld>
@@ -2386,7 +2386,7 @@
           <p:cNvPr id="6" name="页脚占位符 5">
             <a:extLst>
               <a:ext uri="{FF2B5EF4-FFF2-40B4-BE49-F238E27FC236}">
-                <a16:creationId xmlns:a16="http://schemas.microsoft.com/office/drawing/2014/main" id="{944F38A4-CF35-8BDE-418F-42729C83DA14}"/>
+                <a16:creationId xmlns:a16="http://schemas.microsoft.com/office/drawing/2014/main" id="{826AB6A3-82AC-B39D-279B-EF5EE47143FB}"/>
               </a:ext>
             </a:extLst>
           </p:cNvPr>
@@ -2411,7 +2411,7 @@
           <p:cNvPr id="7" name="灯片编号占位符 6">
             <a:extLst>
               <a:ext uri="{FF2B5EF4-FFF2-40B4-BE49-F238E27FC236}">
-                <a16:creationId xmlns:a16="http://schemas.microsoft.com/office/drawing/2014/main" id="{BD1985AB-5A3F-B25E-D0F3-F7E234EEF60A}"/>
+                <a16:creationId xmlns:a16="http://schemas.microsoft.com/office/drawing/2014/main" id="{7A7F89F2-91E3-0398-332F-99CC225E9C28}"/>
               </a:ext>
             </a:extLst>
           </p:cNvPr>
@@ -2427,7 +2427,7 @@
           <a:bodyPr/>
           <a:lstStyle/>
           <a:p>
-            <a:fld id="{F1FCB4AD-A79B-4722-BD0C-5DB0F8F0B59E}" type="slidenum">
+            <a:fld id="{D7FEF1F6-6F73-4AD2-B4BD-1111A82022CD}" type="slidenum">
               <a:rPr lang="zh-CN" altLang="en-US" smtClean="0"/>
               <a:t>‹#›</a:t>
             </a:fld>
@@ -2438,7 +2438,7 @@
     </p:spTree>
     <p:extLst>
       <p:ext uri="{BB962C8B-B14F-4D97-AF65-F5344CB8AC3E}">
-        <p14:creationId xmlns:p14="http://schemas.microsoft.com/office/powerpoint/2010/main" val="2528288845"/>
+        <p14:creationId xmlns:p14="http://schemas.microsoft.com/office/powerpoint/2010/main" val="3956574069"/>
       </p:ext>
     </p:extLst>
   </p:cSld>
@@ -2470,7 +2470,7 @@
           <p:cNvPr id="2" name="标题 1">
             <a:extLst>
               <a:ext uri="{FF2B5EF4-FFF2-40B4-BE49-F238E27FC236}">
-                <a16:creationId xmlns:a16="http://schemas.microsoft.com/office/drawing/2014/main" id="{92CCD2D8-8C60-8FEB-1A42-27BD2938DE1F}"/>
+                <a16:creationId xmlns:a16="http://schemas.microsoft.com/office/drawing/2014/main" id="{A2D53DC8-9079-C68C-9F79-2BEC88EED3C2}"/>
               </a:ext>
             </a:extLst>
           </p:cNvPr>
@@ -2507,7 +2507,7 @@
           <p:cNvPr id="3" name="图片占位符 2">
             <a:extLst>
               <a:ext uri="{FF2B5EF4-FFF2-40B4-BE49-F238E27FC236}">
-                <a16:creationId xmlns:a16="http://schemas.microsoft.com/office/drawing/2014/main" id="{6A1177DA-1630-A549-7650-D7BF0D28F129}"/>
+                <a16:creationId xmlns:a16="http://schemas.microsoft.com/office/drawing/2014/main" id="{6B1BB9A2-B594-C104-AF72-8CAB4700B32E}"/>
               </a:ext>
             </a:extLst>
           </p:cNvPr>
@@ -2574,7 +2574,7 @@
           <p:cNvPr id="4" name="文本占位符 3">
             <a:extLst>
               <a:ext uri="{FF2B5EF4-FFF2-40B4-BE49-F238E27FC236}">
-                <a16:creationId xmlns:a16="http://schemas.microsoft.com/office/drawing/2014/main" id="{25756533-0386-79D0-E0F2-1A6E44C7F6A5}"/>
+                <a16:creationId xmlns:a16="http://schemas.microsoft.com/office/drawing/2014/main" id="{95715FB3-752E-8558-407D-E5FE5584025F}"/>
               </a:ext>
             </a:extLst>
           </p:cNvPr>
@@ -2645,7 +2645,7 @@
           <p:cNvPr id="5" name="日期占位符 4">
             <a:extLst>
               <a:ext uri="{FF2B5EF4-FFF2-40B4-BE49-F238E27FC236}">
-                <a16:creationId xmlns:a16="http://schemas.microsoft.com/office/drawing/2014/main" id="{BE3850C2-30A2-C331-610D-7DC4607504F8}"/>
+                <a16:creationId xmlns:a16="http://schemas.microsoft.com/office/drawing/2014/main" id="{D465CCD8-3323-CD8D-6FFC-FF5EDB314E1C}"/>
               </a:ext>
             </a:extLst>
           </p:cNvPr>
@@ -2661,7 +2661,7 @@
           <a:bodyPr/>
           <a:lstStyle/>
           <a:p>
-            <a:fld id="{9A8B3384-33CB-42AE-ACF7-12E9EE0F9D6E}" type="datetimeFigureOut">
+            <a:fld id="{1520E798-975C-4259-AAD2-B1BD69E70086}" type="datetimeFigureOut">
               <a:rPr lang="zh-CN" altLang="en-US" smtClean="0"/>
               <a:t>2024/3/10</a:t>
             </a:fld>
@@ -2674,7 +2674,7 @@
           <p:cNvPr id="6" name="页脚占位符 5">
             <a:extLst>
               <a:ext uri="{FF2B5EF4-FFF2-40B4-BE49-F238E27FC236}">
-                <a16:creationId xmlns:a16="http://schemas.microsoft.com/office/drawing/2014/main" id="{95D9DDCA-9490-0054-41D8-12CC8248BC6E}"/>
+                <a16:creationId xmlns:a16="http://schemas.microsoft.com/office/drawing/2014/main" id="{2EDABD22-8341-430B-6237-71D727B636C4}"/>
               </a:ext>
             </a:extLst>
           </p:cNvPr>
@@ -2699,7 +2699,7 @@
           <p:cNvPr id="7" name="灯片编号占位符 6">
             <a:extLst>
               <a:ext uri="{FF2B5EF4-FFF2-40B4-BE49-F238E27FC236}">
-                <a16:creationId xmlns:a16="http://schemas.microsoft.com/office/drawing/2014/main" id="{283C00BA-51D4-D60D-68B2-19D404A0DF33}"/>
+                <a16:creationId xmlns:a16="http://schemas.microsoft.com/office/drawing/2014/main" id="{80C77B89-C538-2AB2-2DF8-07316BCD93A3}"/>
               </a:ext>
             </a:extLst>
           </p:cNvPr>
@@ -2715,7 +2715,7 @@
           <a:bodyPr/>
           <a:lstStyle/>
           <a:p>
-            <a:fld id="{F1FCB4AD-A79B-4722-BD0C-5DB0F8F0B59E}" type="slidenum">
+            <a:fld id="{D7FEF1F6-6F73-4AD2-B4BD-1111A82022CD}" type="slidenum">
               <a:rPr lang="zh-CN" altLang="en-US" smtClean="0"/>
               <a:t>‹#›</a:t>
             </a:fld>
@@ -2726,7 +2726,7 @@
     </p:spTree>
     <p:extLst>
       <p:ext uri="{BB962C8B-B14F-4D97-AF65-F5344CB8AC3E}">
-        <p14:creationId xmlns:p14="http://schemas.microsoft.com/office/powerpoint/2010/main" val="2507970554"/>
+        <p14:creationId xmlns:p14="http://schemas.microsoft.com/office/powerpoint/2010/main" val="3979175088"/>
       </p:ext>
     </p:extLst>
   </p:cSld>
@@ -2763,7 +2763,7 @@
           <p:cNvPr id="2" name="标题占位符 1">
             <a:extLst>
               <a:ext uri="{FF2B5EF4-FFF2-40B4-BE49-F238E27FC236}">
-                <a16:creationId xmlns:a16="http://schemas.microsoft.com/office/drawing/2014/main" id="{F13D7CCD-9FFF-C11D-FFE1-65F42E0C8EA1}"/>
+                <a16:creationId xmlns:a16="http://schemas.microsoft.com/office/drawing/2014/main" id="{3847172C-751B-22AA-1559-DF4B2D411FEF}"/>
               </a:ext>
             </a:extLst>
           </p:cNvPr>
@@ -2801,7 +2801,7 @@
           <p:cNvPr id="3" name="文本占位符 2">
             <a:extLst>
               <a:ext uri="{FF2B5EF4-FFF2-40B4-BE49-F238E27FC236}">
-                <a16:creationId xmlns:a16="http://schemas.microsoft.com/office/drawing/2014/main" id="{63640642-B243-1CB9-9A53-4AE984695381}"/>
+                <a16:creationId xmlns:a16="http://schemas.microsoft.com/office/drawing/2014/main" id="{74160593-3CEF-127F-7DF5-D131D70C89A7}"/>
               </a:ext>
             </a:extLst>
           </p:cNvPr>
@@ -2868,7 +2868,7 @@
           <p:cNvPr id="4" name="日期占位符 3">
             <a:extLst>
               <a:ext uri="{FF2B5EF4-FFF2-40B4-BE49-F238E27FC236}">
-                <a16:creationId xmlns:a16="http://schemas.microsoft.com/office/drawing/2014/main" id="{1C30BB76-AA46-50B9-C32C-8D5F6FF22434}"/>
+                <a16:creationId xmlns:a16="http://schemas.microsoft.com/office/drawing/2014/main" id="{517B7199-4CCE-86FE-39CC-6100478F2E96}"/>
               </a:ext>
             </a:extLst>
           </p:cNvPr>
@@ -2902,7 +2902,7 @@
             </a:lvl1pPr>
           </a:lstStyle>
           <a:p>
-            <a:fld id="{9A8B3384-33CB-42AE-ACF7-12E9EE0F9D6E}" type="datetimeFigureOut">
+            <a:fld id="{1520E798-975C-4259-AAD2-B1BD69E70086}" type="datetimeFigureOut">
               <a:rPr lang="zh-CN" altLang="en-US" smtClean="0"/>
               <a:t>2024/3/10</a:t>
             </a:fld>
@@ -2915,7 +2915,7 @@
           <p:cNvPr id="5" name="页脚占位符 4">
             <a:extLst>
               <a:ext uri="{FF2B5EF4-FFF2-40B4-BE49-F238E27FC236}">
-                <a16:creationId xmlns:a16="http://schemas.microsoft.com/office/drawing/2014/main" id="{A630FC0E-02A2-C75D-EC3C-D417DC1F13C1}"/>
+                <a16:creationId xmlns:a16="http://schemas.microsoft.com/office/drawing/2014/main" id="{A12E7774-DDA1-E063-F38E-DA39480E9E87}"/>
               </a:ext>
             </a:extLst>
           </p:cNvPr>
@@ -2958,7 +2958,7 @@
           <p:cNvPr id="6" name="灯片编号占位符 5">
             <a:extLst>
               <a:ext uri="{FF2B5EF4-FFF2-40B4-BE49-F238E27FC236}">
-                <a16:creationId xmlns:a16="http://schemas.microsoft.com/office/drawing/2014/main" id="{985BCC2A-28E9-E97C-F501-ADAC71F8D126}"/>
+                <a16:creationId xmlns:a16="http://schemas.microsoft.com/office/drawing/2014/main" id="{138C8F79-5B82-9F7F-E096-4F9E3DA33DF2}"/>
               </a:ext>
             </a:extLst>
           </p:cNvPr>
@@ -2992,7 +2992,7 @@
             </a:lvl1pPr>
           </a:lstStyle>
           <a:p>
-            <a:fld id="{F1FCB4AD-A79B-4722-BD0C-5DB0F8F0B59E}" type="slidenum">
+            <a:fld id="{D7FEF1F6-6F73-4AD2-B4BD-1111A82022CD}" type="slidenum">
               <a:rPr lang="zh-CN" altLang="en-US" smtClean="0"/>
               <a:t>‹#›</a:t>
             </a:fld>
@@ -3003,7 +3003,7 @@
     </p:spTree>
     <p:extLst>
       <p:ext uri="{BB962C8B-B14F-4D97-AF65-F5344CB8AC3E}">
-        <p14:creationId xmlns:p14="http://schemas.microsoft.com/office/powerpoint/2010/main" val="1448089695"/>
+        <p14:creationId xmlns:p14="http://schemas.microsoft.com/office/powerpoint/2010/main" val="802207500"/>
       </p:ext>
     </p:extLst>
   </p:cSld>
@@ -3323,7 +3323,7 @@
       </p:grpSpPr>
       <p:pic>
         <p:nvPicPr>
-          <p:cNvPr id="712706" name="Picture 2" descr="695"/>
+          <p:cNvPr id="713730" name="Picture 2" descr="696"/>
           <p:cNvPicPr>
             <a:picLocks noChangeAspect="1" noChangeArrowheads="1"/>
           </p:cNvPicPr>
@@ -3345,7 +3345,7 @@
         <p:spPr bwMode="auto">
           <a:xfrm>
             <a:off x="1524000" y="0"/>
-            <a:ext cx="9144000" cy="6859588"/>
+            <a:ext cx="9144000" cy="6858000"/>
           </a:xfrm>
           <a:prstGeom prst="rect">
             <a:avLst/>
